--- a/Presentation/BigBird.pptx
+++ b/Presentation/BigBird.pptx
@@ -14926,7 +14926,7 @@
         <p:spPr>
           <a:xfrm>
             <a:off x="-209008" y="0"/>
-            <a:ext cx="6876508" cy="3631763"/>
+            <a:ext cx="6876508" cy="2893100"/>
           </a:xfrm>
           <a:prstGeom prst="rect">
             <a:avLst/>
@@ -14958,7 +14958,7 @@
             <a:endParaRPr lang="en-US" sz="2400" dirty="0"/>
           </a:p>
           <a:p>
-            <a:pPr lvl="2"/>
+            <a:pPr lvl="2" algn="just"/>
             <a:r>
               <a:rPr lang="en-US" sz="2400" dirty="0">
                 <a:latin typeface="+mj-lt"/>
@@ -14976,21 +14976,6 @@
                 <a:latin typeface="+mj-lt"/>
               </a:rPr>
               <a:t>permutation being in used.</a:t>
-            </a:r>
-          </a:p>
-          <a:p>
-            <a:pPr lvl="2"/>
-            <a:endParaRPr lang="en-US" sz="2400" dirty="0">
-              <a:latin typeface="+mj-lt"/>
-            </a:endParaRPr>
-          </a:p>
-          <a:p>
-            <a:pPr lvl="2"/>
-            <a:r>
-              <a:rPr lang="en-US" sz="2400" dirty="0">
-                <a:latin typeface="+mj-lt"/>
-              </a:rPr>
-              <a:t>The fundamental of the model remains same.</a:t>
             </a:r>
           </a:p>
         </p:txBody>

--- a/Presentation/BigBird.pptx
+++ b/Presentation/BigBird.pptx
@@ -4660,7 +4660,7 @@
               <a:rPr lang="en-US" sz="2400" dirty="0">
                 <a:latin typeface="+mj-lt"/>
               </a:rPr>
-              <a:t>For example, predicted summaries become more consistent when sequence length is longer. </a:t>
+              <a:t>For example, predicted summaries become more consistent when the sequence length is longer. </a:t>
             </a:r>
           </a:p>
           <a:p>
@@ -4675,7 +4675,7 @@
               <a:rPr lang="en-US" sz="2400" dirty="0">
                 <a:latin typeface="+mj-lt"/>
               </a:rPr>
-              <a:t>But this comes with the price of no theoretical guarantees.</a:t>
+              <a:t>That comes with the price of no theoretical guarantees.</a:t>
             </a:r>
           </a:p>
         </p:txBody>
@@ -6004,7 +6004,7 @@
         <p:spPr>
           <a:xfrm>
             <a:off x="6078286" y="0"/>
-            <a:ext cx="5910104" cy="5509200"/>
+            <a:ext cx="5910104" cy="5878532"/>
           </a:xfrm>
           <a:prstGeom prst="rect">
             <a:avLst/>
@@ -6041,7 +6041,7 @@
               <a:rPr lang="en-US" sz="2400" dirty="0">
                 <a:latin typeface="+mj-lt"/>
               </a:rPr>
-              <a:t>ROUGE-N F1-score is a measure of model accuracy based on a number of matching n-grams between predicted and ground-truth summaries.</a:t>
+              <a:t>ROUGE-N F1-score is the measure of model accuracy based on the number of matching n-grams between predicted and ground-truth summaries.</a:t>
             </a:r>
           </a:p>
           <a:p>
@@ -6056,7 +6056,7 @@
               <a:rPr lang="en-US" sz="2400" dirty="0">
                 <a:latin typeface="+mj-lt"/>
               </a:rPr>
-              <a:t>For example, ROUGE-1 means a number of matching unigram.</a:t>
+              <a:t>For example, ROUGE-1 means the number of matching unigram.</a:t>
             </a:r>
           </a:p>
           <a:p>
@@ -6071,7 +6071,7 @@
               <a:rPr lang="en-US" sz="2400" dirty="0">
                 <a:latin typeface="+mj-lt"/>
               </a:rPr>
-              <a:t>ROUGE-1 means a number of matching the longest common subsequence (LCS).</a:t>
+              <a:t>ROUGE-1 means the number of matching the longest common subsequence (LCS).</a:t>
             </a:r>
           </a:p>
         </p:txBody>
@@ -6952,7 +6952,7 @@
               <a:rPr lang="en-US" sz="2400" dirty="0">
                 <a:latin typeface="+mj-lt"/>
               </a:rPr>
-              <a:t>The arXiv journals prepared by TensorFlow is in use, which contains </a:t>
+              <a:t>The arXiv journals prepared by TensorFlow is used, which contains </a:t>
             </a:r>
             <a:r>
               <a:rPr lang="en-US" sz="2400" i="1" dirty="0" err="1">
@@ -6982,7 +6982,13 @@
               <a:rPr lang="en-US" sz="2400" i="1" dirty="0">
                 <a:latin typeface="+mj-lt"/>
               </a:rPr>
-              <a:t>actual abstract text</a:t>
+              <a:t>actual </a:t>
+            </a:r>
+            <a:r>
+              <a:rPr lang="en-US" sz="2400" i="1" dirty="0" err="1">
+                <a:latin typeface="+mj-lt"/>
+              </a:rPr>
+              <a:t>abstract_text</a:t>
             </a:r>
             <a:r>
               <a:rPr lang="en-US" sz="2400" dirty="0">
@@ -7674,7 +7680,7 @@
               <a:rPr lang="en-US" sz="2400" dirty="0">
                 <a:latin typeface="+mj-lt"/>
               </a:rPr>
-              <a:t>For this research, validation set is in use. This set is unseen, technically.</a:t>
+              <a:t>For this research, validation set is in use. Technically, this set is unseen.</a:t>
             </a:r>
           </a:p>
           <a:p>
@@ -7756,7 +7762,7 @@
               <a:rPr lang="en-US" sz="2400" dirty="0">
                 <a:latin typeface="+mj-lt"/>
               </a:rPr>
-              <a:t>Random sampling for this set to predict is 110 in total for each model. This data collection takes two days.</a:t>
+              <a:t>Random sampling for this set to predict is 110 in total for each model. This data collection takes two days to compute.</a:t>
             </a:r>
           </a:p>
         </p:txBody>
@@ -7771,13 +7777,13 @@
   <p:clrMapOvr>
     <a:masterClrMapping/>
   </p:clrMapOvr>
-  <mc:AlternateContent xmlns:mc="http://schemas.openxmlformats.org/markup-compatibility/2006">
-    <mc:Choice xmlns:p14="http://schemas.microsoft.com/office/powerpoint/2010/main" Requires="p14">
+  <mc:AlternateContent xmlns:mc="http://schemas.openxmlformats.org/markup-compatibility/2006" xmlns:p14="http://schemas.microsoft.com/office/powerpoint/2010/main">
+    <mc:Choice Requires="p14">
       <p:transition spd="med" p14:dur="700">
         <p:fade/>
       </p:transition>
     </mc:Choice>
-    <mc:Fallback>
+    <mc:Fallback xmlns="">
       <p:transition spd="med">
         <p:fade/>
       </p:transition>
@@ -7999,7 +8005,7 @@
                 </a:solidFill>
                 <a:latin typeface="-apple-system"/>
               </a:rPr>
-              <a:t>Being compared with XLNet model, how fast Big Bird can produce each predicted summary?</a:t>
+              <a:t>Being compared with XLNet model, how fast can Big Bird produce each predicted summary?</a:t>
             </a:r>
             <a:endParaRPr lang="en-US" sz="2400" dirty="0">
               <a:solidFill>
@@ -10725,8 +10731,8 @@
         </p:nvSpPr>
         <p:spPr>
           <a:xfrm>
-            <a:off x="157259" y="293225"/>
-            <a:ext cx="11877482" cy="1107996"/>
+            <a:off x="457953" y="505513"/>
+            <a:ext cx="10872335" cy="923330"/>
           </a:xfrm>
           <a:prstGeom prst="rect">
             <a:avLst/>
@@ -10740,8 +10746,8 @@
           <a:p>
             <a:pPr algn="just"/>
             <a:r>
-              <a:rPr lang="en-US" sz="6600" dirty="0"/>
-              <a:t>CONCLUSION AND FUTURE WORK</a:t>
+              <a:rPr lang="en-US" sz="5400" dirty="0"/>
+              <a:t>FUTURE RESEARCH AND CONCLUSION</a:t>
             </a:r>
           </a:p>
         </p:txBody>
@@ -10821,7 +10827,7 @@
                 </a:solidFill>
                 <a:latin typeface="Calibri Light" panose="020F0302020204030204"/>
               </a:rPr>
-              <a:t>The Big Bird algorithm is highly recommended for producing summaries as long as if the cloud environment is in use.</a:t>
+              <a:t>The Big Bird algorithm is highly recommended for producing summaries as long as if the cloud environment is used.</a:t>
             </a:r>
           </a:p>
         </p:txBody>
@@ -12044,7 +12050,7 @@
               <a:rPr lang="en-US" sz="2400" dirty="0">
                 <a:latin typeface="+mj-lt"/>
               </a:rPr>
-              <a:t>The Transformers has self-attention expensive to compute especially for longer sequence. </a:t>
+              <a:t>The Transformers has self-attention mechanism which is expensive to compute longer sequences. </a:t>
             </a:r>
           </a:p>
           <a:p>
@@ -12059,7 +12065,7 @@
               <a:rPr lang="en-US" sz="2400" dirty="0">
                 <a:latin typeface="+mj-lt"/>
               </a:rPr>
-              <a:t>The Google Research team attempts to solve this using block sparsity. </a:t>
+              <a:t>The Google Research team attempts to solve the issue using block sparsity. </a:t>
             </a:r>
           </a:p>
           <a:p>
@@ -12074,7 +12080,7 @@
               <a:rPr lang="en-US" sz="2400" dirty="0">
                 <a:latin typeface="+mj-lt"/>
               </a:rPr>
-              <a:t>Their mathematical assessment shows that this approach reduces this quadratic dependency to linear dependency in time or memory term, which is skeptical.</a:t>
+              <a:t>Their mathematical assessment shows that the approach reduces quadratic dependency to linear dependency in time or memory term, which is skeptical.</a:t>
             </a:r>
           </a:p>
         </p:txBody>
@@ -13542,7 +13548,7 @@
               <a:rPr lang="en-US" sz="2400" dirty="0">
                 <a:latin typeface="+mj-lt"/>
               </a:rPr>
-              <a:t> that contains attention.</a:t>
+              <a:t> including attention.</a:t>
             </a:r>
           </a:p>
         </p:txBody>
@@ -14007,8 +14013,8 @@
           </a:p>
         </p:txBody>
       </p:sp>
-      <mc:AlternateContent xmlns:mc="http://schemas.openxmlformats.org/markup-compatibility/2006">
-        <mc:Choice xmlns:a14="http://schemas.microsoft.com/office/drawing/2010/main" Requires="a14">
+      <mc:AlternateContent xmlns:mc="http://schemas.openxmlformats.org/markup-compatibility/2006" xmlns:a14="http://schemas.microsoft.com/office/drawing/2010/main">
+        <mc:Choice Requires="a14">
           <p:sp>
             <p:nvSpPr>
               <p:cNvPr id="7" name="Rectangle 6">
@@ -14631,7 +14637,7 @@
             </p:txBody>
           </p:sp>
         </mc:Choice>
-        <mc:Fallback>
+        <mc:Fallback xmlns="">
           <p:sp>
             <p:nvSpPr>
               <p:cNvPr id="7" name="Rectangle 6">
@@ -14926,7 +14932,7 @@
         <p:spPr>
           <a:xfrm>
             <a:off x="-209008" y="0"/>
-            <a:ext cx="6876508" cy="2893100"/>
+            <a:ext cx="6876508" cy="2523768"/>
           </a:xfrm>
           <a:prstGeom prst="rect">
             <a:avLst/>
@@ -14963,7 +14969,7 @@
               <a:rPr lang="en-US" sz="2400" dirty="0">
                 <a:latin typeface="+mj-lt"/>
               </a:rPr>
-              <a:t>For this research, the XLNet is in use. This model is different by maximum log likelihood of the sequence </a:t>
+              <a:t>For this research, the XLNet is used. This model is different by the maximum log likelihood of the sequence </a:t>
             </a:r>
             <a:r>
               <a:rPr lang="en-US" sz="2400" i="1" dirty="0">
@@ -14975,7 +14981,7 @@
               <a:rPr lang="en-US" sz="2400" dirty="0">
                 <a:latin typeface="+mj-lt"/>
               </a:rPr>
-              <a:t>permutation being in used.</a:t>
+              <a:t>permutation being used.</a:t>
             </a:r>
           </a:p>
         </p:txBody>
